--- a/Claims and Database Integrated Security.pptx
+++ b/Claims and Database Integrated Security.pptx
@@ -16,9 +16,10 @@
     <p:sldId id="264" r:id="rId10"/>
     <p:sldId id="265" r:id="rId11"/>
     <p:sldId id="266" r:id="rId12"/>
-    <p:sldId id="267" r:id="rId13"/>
-    <p:sldId id="268" r:id="rId14"/>
-    <p:sldId id="269" r:id="rId15"/>
+    <p:sldId id="270" r:id="rId13"/>
+    <p:sldId id="267" r:id="rId14"/>
+    <p:sldId id="268" r:id="rId15"/>
+    <p:sldId id="269" r:id="rId16"/>
   </p:sldIdLst>
   <p:sldSz cx="12192000" cy="6858000"/>
   <p:notesSz cx="6858000" cy="9144000"/>
@@ -117,6 +118,11 @@
       </a:defRPr>
     </a:lvl9pPr>
   </p:defaultTextStyle>
+  <p:extLst>
+    <p:ext uri="{EFAFB233-063F-42B5-8137-9DF3F51BA10A}">
+      <p15:sldGuideLst xmlns:p15="http://schemas.microsoft.com/office/powerpoint/2012/main"/>
+    </p:ext>
+  </p:extLst>
 </p:presentation>
 </file>
 
@@ -452,7 +458,7 @@
             <a:fld id="{B61BEF0D-F0BB-DE4B-95CE-6DB70DBA9567}" type="datetimeFigureOut">
               <a:rPr lang="en-US" smtClean="0"/>
               <a:pPr/>
-              <a:t>10/24/2016</a:t>
+              <a:t>11/2/2016</a:t>
             </a:fld>
             <a:endParaRPr lang="en-US" dirty="0"/>
           </a:p>
@@ -778,7 +784,7 @@
             <a:fld id="{B61BEF0D-F0BB-DE4B-95CE-6DB70DBA9567}" type="datetimeFigureOut">
               <a:rPr lang="en-US" smtClean="0"/>
               <a:pPr/>
-              <a:t>10/24/2016</a:t>
+              <a:t>11/2/2016</a:t>
             </a:fld>
             <a:endParaRPr lang="en-US" dirty="0"/>
           </a:p>
@@ -1028,7 +1034,7 @@
             <a:fld id="{B61BEF0D-F0BB-DE4B-95CE-6DB70DBA9567}" type="datetimeFigureOut">
               <a:rPr lang="en-US" smtClean="0"/>
               <a:pPr/>
-              <a:t>10/24/2016</a:t>
+              <a:t>11/2/2016</a:t>
             </a:fld>
             <a:endParaRPr lang="en-US" dirty="0"/>
           </a:p>
@@ -1369,7 +1375,7 @@
             <a:fld id="{B61BEF0D-F0BB-DE4B-95CE-6DB70DBA9567}" type="datetimeFigureOut">
               <a:rPr lang="en-US" smtClean="0"/>
               <a:pPr/>
-              <a:t>10/24/2016</a:t>
+              <a:t>11/2/2016</a:t>
             </a:fld>
             <a:endParaRPr lang="en-US" dirty="0"/>
           </a:p>
@@ -1718,7 +1724,7 @@
             <a:fld id="{B61BEF0D-F0BB-DE4B-95CE-6DB70DBA9567}" type="datetimeFigureOut">
               <a:rPr lang="en-US" smtClean="0"/>
               <a:pPr/>
-              <a:t>10/24/2016</a:t>
+              <a:t>11/2/2016</a:t>
             </a:fld>
             <a:endParaRPr lang="en-US" dirty="0"/>
           </a:p>
@@ -2094,7 +2100,7 @@
             <a:fld id="{B61BEF0D-F0BB-DE4B-95CE-6DB70DBA9567}" type="datetimeFigureOut">
               <a:rPr lang="en-US" smtClean="0"/>
               <a:pPr/>
-              <a:t>10/24/2016</a:t>
+              <a:t>11/2/2016</a:t>
             </a:fld>
             <a:endParaRPr lang="en-US" dirty="0"/>
           </a:p>
@@ -2566,7 +2572,7 @@
             <a:fld id="{B61BEF0D-F0BB-DE4B-95CE-6DB70DBA9567}" type="datetimeFigureOut">
               <a:rPr lang="en-US" smtClean="0"/>
               <a:pPr/>
-              <a:t>10/24/2016</a:t>
+              <a:t>11/2/2016</a:t>
             </a:fld>
             <a:endParaRPr lang="en-US" dirty="0"/>
           </a:p>
@@ -2773,7 +2779,7 @@
             <a:fld id="{B61BEF0D-F0BB-DE4B-95CE-6DB70DBA9567}" type="datetimeFigureOut">
               <a:rPr lang="en-US" smtClean="0"/>
               <a:pPr/>
-              <a:t>10/24/2016</a:t>
+              <a:t>11/2/2016</a:t>
             </a:fld>
             <a:endParaRPr lang="en-US" dirty="0"/>
           </a:p>
@@ -2986,7 +2992,7 @@
             <a:fld id="{B61BEF0D-F0BB-DE4B-95CE-6DB70DBA9567}" type="datetimeFigureOut">
               <a:rPr lang="en-US" smtClean="0"/>
               <a:pPr/>
-              <a:t>10/24/2016</a:t>
+              <a:t>11/2/2016</a:t>
             </a:fld>
             <a:endParaRPr lang="en-US" dirty="0"/>
           </a:p>
@@ -3220,7 +3226,7 @@
             <a:fld id="{B61BEF0D-F0BB-DE4B-95CE-6DB70DBA9567}" type="datetimeFigureOut">
               <a:rPr lang="en-US" smtClean="0"/>
               <a:pPr/>
-              <a:t>10/24/2016</a:t>
+              <a:t>11/2/2016</a:t>
             </a:fld>
             <a:endParaRPr lang="en-US" dirty="0"/>
           </a:p>
@@ -3470,7 +3476,7 @@
             <a:fld id="{B61BEF0D-F0BB-DE4B-95CE-6DB70DBA9567}" type="datetimeFigureOut">
               <a:rPr lang="en-US" smtClean="0"/>
               <a:pPr/>
-              <a:t>10/24/2016</a:t>
+              <a:t>11/2/2016</a:t>
             </a:fld>
             <a:endParaRPr lang="en-US" dirty="0"/>
           </a:p>
@@ -3770,7 +3776,7 @@
             <a:fld id="{B61BEF0D-F0BB-DE4B-95CE-6DB70DBA9567}" type="datetimeFigureOut">
               <a:rPr lang="en-US" smtClean="0"/>
               <a:pPr/>
-              <a:t>10/24/2016</a:t>
+              <a:t>11/2/2016</a:t>
             </a:fld>
             <a:endParaRPr lang="en-US" dirty="0"/>
           </a:p>
@@ -4166,7 +4172,7 @@
             <a:fld id="{B61BEF0D-F0BB-DE4B-95CE-6DB70DBA9567}" type="datetimeFigureOut">
               <a:rPr lang="en-US" smtClean="0"/>
               <a:pPr/>
-              <a:t>10/24/2016</a:t>
+              <a:t>11/2/2016</a:t>
             </a:fld>
             <a:endParaRPr lang="en-US" dirty="0"/>
           </a:p>
@@ -4317,7 +4323,7 @@
             <a:fld id="{B61BEF0D-F0BB-DE4B-95CE-6DB70DBA9567}" type="datetimeFigureOut">
               <a:rPr lang="en-US" smtClean="0"/>
               <a:pPr/>
-              <a:t>10/24/2016</a:t>
+              <a:t>11/2/2016</a:t>
             </a:fld>
             <a:endParaRPr lang="en-US" dirty="0"/>
           </a:p>
@@ -4445,7 +4451,7 @@
             <a:fld id="{B61BEF0D-F0BB-DE4B-95CE-6DB70DBA9567}" type="datetimeFigureOut">
               <a:rPr lang="en-US" smtClean="0"/>
               <a:pPr/>
-              <a:t>10/24/2016</a:t>
+              <a:t>11/2/2016</a:t>
             </a:fld>
             <a:endParaRPr lang="en-US" dirty="0"/>
           </a:p>
@@ -4702,7 +4708,7 @@
             <a:fld id="{B61BEF0D-F0BB-DE4B-95CE-6DB70DBA9567}" type="datetimeFigureOut">
               <a:rPr lang="en-US" smtClean="0"/>
               <a:pPr/>
-              <a:t>10/24/2016</a:t>
+              <a:t>11/2/2016</a:t>
             </a:fld>
             <a:endParaRPr lang="en-US" dirty="0"/>
           </a:p>
@@ -5019,7 +5025,7 @@
             <a:fld id="{B61BEF0D-F0BB-DE4B-95CE-6DB70DBA9567}" type="datetimeFigureOut">
               <a:rPr lang="en-US" smtClean="0"/>
               <a:pPr/>
-              <a:t>10/24/2016</a:t>
+              <a:t>11/2/2016</a:t>
             </a:fld>
             <a:endParaRPr lang="en-US" dirty="0"/>
           </a:p>
@@ -5372,7 +5378,7 @@
             <a:fld id="{B61BEF0D-F0BB-DE4B-95CE-6DB70DBA9567}" type="datetimeFigureOut">
               <a:rPr lang="en-US" smtClean="0"/>
               <a:pPr/>
-              <a:t>10/24/2016</a:t>
+              <a:t>11/2/2016</a:t>
             </a:fld>
             <a:endParaRPr lang="en-US" dirty="0"/>
           </a:p>
@@ -6255,7 +6261,7 @@
           <a:p>
             <a:r>
               <a:rPr lang="en-US" dirty="0" smtClean="0"/>
-              <a:t>Code Walk – Identity Server</a:t>
+              <a:t>Code Walk –API2</a:t>
             </a:r>
             <a:endParaRPr lang="en-US" dirty="0"/>
           </a:p>
@@ -6273,39 +6279,86 @@
         </p:nvSpPr>
         <p:spPr/>
         <p:txBody>
-          <a:bodyPr/>
+          <a:bodyPr>
+            <a:normAutofit fontScale="92500" lnSpcReduction="20000"/>
+          </a:bodyPr>
           <a:lstStyle/>
           <a:p>
             <a:r>
               <a:rPr lang="en-US" dirty="0" smtClean="0"/>
-              <a:t>Startup – </a:t>
+              <a:t>Nancy</a:t>
             </a:r>
           </a:p>
           <a:p>
             <a:pPr lvl="1"/>
             <a:r>
+              <a:rPr lang="en-US" dirty="0" err="1" smtClean="0"/>
+              <a:t>ApiModule</a:t>
+            </a:r>
+            <a:r>
               <a:rPr lang="en-US" dirty="0" smtClean="0"/>
-              <a:t>Configuration for development Identity Provider (</a:t>
+              <a:t> – controller-</a:t>
             </a:r>
             <a:r>
               <a:rPr lang="en-US" dirty="0" err="1" smtClean="0"/>
-              <a:t>IdP</a:t>
+              <a:t>ish</a:t>
+            </a:r>
+            <a:endParaRPr lang="en-US" dirty="0" smtClean="0"/>
+          </a:p>
+          <a:p>
+            <a:pPr lvl="1"/>
+            <a:r>
+              <a:rPr lang="en-US" dirty="0" err="1" smtClean="0"/>
+              <a:t>Bootstrapper</a:t>
             </a:r>
             <a:r>
               <a:rPr lang="en-US" dirty="0" smtClean="0"/>
-              <a:t>) </a:t>
+              <a:t> – Nancy DI configuration</a:t>
+            </a:r>
+          </a:p>
+          <a:p>
+            <a:r>
+              <a:rPr lang="en-US" dirty="0" smtClean="0"/>
+              <a:t>Dapper</a:t>
             </a:r>
           </a:p>
           <a:p>
             <a:pPr lvl="1"/>
             <a:r>
-              <a:rPr lang="en-US" dirty="0"/>
-              <a:t>S</a:t>
-            </a:r>
+              <a:rPr lang="en-US" dirty="0" err="1" smtClean="0"/>
+              <a:t>PeopleRepository</a:t>
+            </a:r>
+            <a:endParaRPr lang="en-US" dirty="0" smtClean="0"/>
+          </a:p>
+          <a:p>
             <a:r>
               <a:rPr lang="en-US" dirty="0" smtClean="0"/>
-              <a:t>ample application credentials </a:t>
-            </a:r>
+              <a:t>Startup</a:t>
+            </a:r>
+          </a:p>
+          <a:p>
+            <a:pPr lvl="1"/>
+            <a:r>
+              <a:rPr lang="en-US" dirty="0" smtClean="0"/>
+              <a:t>Same security as before</a:t>
+            </a:r>
+          </a:p>
+          <a:p>
+            <a:pPr lvl="1"/>
+            <a:r>
+              <a:rPr lang="en-US" dirty="0" smtClean="0"/>
+              <a:t>Use </a:t>
+            </a:r>
+            <a:r>
+              <a:rPr lang="en-US" dirty="0" err="1" smtClean="0"/>
+              <a:t>Owin</a:t>
+            </a:r>
+            <a:r>
+              <a:rPr lang="en-US" dirty="0" smtClean="0"/>
+              <a:t> and Nancy</a:t>
+            </a:r>
+          </a:p>
+          <a:p>
             <a:endParaRPr lang="en-US" dirty="0"/>
           </a:p>
         </p:txBody>
@@ -6313,7 +6366,7 @@
     </p:spTree>
     <p:extLst>
       <p:ext uri="{BB962C8B-B14F-4D97-AF65-F5344CB8AC3E}">
-        <p14:creationId xmlns:p14="http://schemas.microsoft.com/office/powerpoint/2010/main" val="62906821"/>
+        <p14:creationId xmlns:p14="http://schemas.microsoft.com/office/powerpoint/2010/main" val="1048491844"/>
       </p:ext>
     </p:extLst>
   </p:cSld>
@@ -6357,6 +6410,108 @@
           <a:p>
             <a:r>
               <a:rPr lang="en-US" dirty="0" smtClean="0"/>
+              <a:t>Code Walk – Identity Server</a:t>
+            </a:r>
+            <a:endParaRPr lang="en-US" dirty="0"/>
+          </a:p>
+        </p:txBody>
+      </p:sp>
+      <p:sp>
+        <p:nvSpPr>
+          <p:cNvPr id="3" name="Content Placeholder 2"/>
+          <p:cNvSpPr>
+            <a:spLocks noGrp="1"/>
+          </p:cNvSpPr>
+          <p:nvPr>
+            <p:ph idx="1"/>
+          </p:nvPr>
+        </p:nvSpPr>
+        <p:spPr/>
+        <p:txBody>
+          <a:bodyPr/>
+          <a:lstStyle/>
+          <a:p>
+            <a:r>
+              <a:rPr lang="en-US" dirty="0" smtClean="0"/>
+              <a:t>Startup – </a:t>
+            </a:r>
+          </a:p>
+          <a:p>
+            <a:pPr lvl="1"/>
+            <a:r>
+              <a:rPr lang="en-US" dirty="0" smtClean="0"/>
+              <a:t>Configuration for development Identity Provider (</a:t>
+            </a:r>
+            <a:r>
+              <a:rPr lang="en-US" dirty="0" err="1" smtClean="0"/>
+              <a:t>IdP</a:t>
+            </a:r>
+            <a:r>
+              <a:rPr lang="en-US" dirty="0" smtClean="0"/>
+              <a:t>) </a:t>
+            </a:r>
+          </a:p>
+          <a:p>
+            <a:pPr lvl="1"/>
+            <a:r>
+              <a:rPr lang="en-US" dirty="0"/>
+              <a:t>S</a:t>
+            </a:r>
+            <a:r>
+              <a:rPr lang="en-US" dirty="0" smtClean="0"/>
+              <a:t>ample application credentials </a:t>
+            </a:r>
+            <a:endParaRPr lang="en-US" dirty="0"/>
+          </a:p>
+        </p:txBody>
+      </p:sp>
+    </p:spTree>
+    <p:extLst>
+      <p:ext uri="{BB962C8B-B14F-4D97-AF65-F5344CB8AC3E}">
+        <p14:creationId xmlns:p14="http://schemas.microsoft.com/office/powerpoint/2010/main" val="62906821"/>
+      </p:ext>
+    </p:extLst>
+  </p:cSld>
+  <p:clrMapOvr>
+    <a:masterClrMapping/>
+  </p:clrMapOvr>
+</p:sld>
+</file>
+
+<file path=ppt/slides/slide14.xml><?xml version="1.0" encoding="utf-8"?>
+<p:sld xmlns:a="http://schemas.openxmlformats.org/drawingml/2006/main" xmlns:r="http://schemas.openxmlformats.org/officeDocument/2006/relationships" xmlns:p="http://schemas.openxmlformats.org/presentationml/2006/main">
+  <p:cSld>
+    <p:spTree>
+      <p:nvGrpSpPr>
+        <p:cNvPr id="1" name=""/>
+        <p:cNvGrpSpPr/>
+        <p:nvPr/>
+      </p:nvGrpSpPr>
+      <p:grpSpPr>
+        <a:xfrm>
+          <a:off x="0" y="0"/>
+          <a:ext cx="0" cy="0"/>
+          <a:chOff x="0" y="0"/>
+          <a:chExt cx="0" cy="0"/>
+        </a:xfrm>
+      </p:grpSpPr>
+      <p:sp>
+        <p:nvSpPr>
+          <p:cNvPr id="2" name="Title 1"/>
+          <p:cNvSpPr>
+            <a:spLocks noGrp="1"/>
+          </p:cNvSpPr>
+          <p:nvPr>
+            <p:ph type="title"/>
+          </p:nvPr>
+        </p:nvSpPr>
+        <p:spPr/>
+        <p:txBody>
+          <a:bodyPr/>
+          <a:lstStyle/>
+          <a:p>
+            <a:r>
+              <a:rPr lang="en-US" dirty="0" smtClean="0"/>
               <a:t>Code Walk - Client</a:t>
             </a:r>
             <a:endParaRPr lang="en-US" dirty="0"/>
@@ -6434,7 +6589,7 @@
 </p:sld>
 </file>
 
-<file path=ppt/slides/slide14.xml><?xml version="1.0" encoding="utf-8"?>
+<file path=ppt/slides/slide15.xml><?xml version="1.0" encoding="utf-8"?>
 <p:sld xmlns:a="http://schemas.openxmlformats.org/drawingml/2006/main" xmlns:r="http://schemas.openxmlformats.org/officeDocument/2006/relationships" xmlns:p="http://schemas.openxmlformats.org/presentationml/2006/main">
   <p:cSld>
     <p:spTree>
